--- a/doc/02_SlideShare/01.ネタ/２_Reactの基礎/2-1_React.pptx
+++ b/doc/02_SlideShare/01.ネタ/２_Reactの基礎/2-1_React.pptx
@@ -2491,15 +2491,19 @@
           <a:p>
             <a:r>
               <a:rPr lang="en-US" altLang="ja-JP" dirty="0" smtClean="0"/>
-              <a:t>2-1.React</a:t>
+              <a:t>2-1. React</a:t>
             </a:r>
             <a:r>
               <a:rPr lang="ja-JP" altLang="en-US" dirty="0" smtClean="0"/>
               <a:t> </a:t>
             </a:r>
             <a:r>
-              <a:rPr kumimoji="1" lang="ja-JP" altLang="en-US" dirty="0" smtClean="0"/>
-              <a:t>－ </a:t>
+              <a:rPr lang="en-US" altLang="ja-JP" dirty="0" smtClean="0"/>
+              <a:t>-</a:t>
+            </a:r>
+            <a:r>
+              <a:rPr kumimoji="1" lang="ja-JP" altLang="en-US" dirty="0" smtClean="0"/>
+              <a:t> </a:t>
             </a:r>
             <a:r>
               <a:rPr lang="ja-JP" altLang="en-US" dirty="0"/>

--- a/doc/02_SlideShare/01.ネタ/２_Reactの基礎/2-1_React.pptx
+++ b/doc/02_SlideShare/01.ネタ/２_Reactの基礎/2-1_React.pptx
@@ -2784,7 +2784,7 @@
         <p:spPr>
           <a:xfrm>
             <a:off x="555219" y="2968421"/>
-            <a:ext cx="2782171" cy="461665"/>
+            <a:ext cx="3251850" cy="461665"/>
           </a:xfrm>
           <a:prstGeom prst="rect">
             <a:avLst/>
@@ -2816,7 +2816,15 @@
           <a:p>
             <a:r>
               <a:rPr lang="en-US" altLang="ja-JP" dirty="0" smtClean="0"/>
-              <a:t>DOM</a:t>
+              <a:t>DOM(</a:t>
+            </a:r>
+            <a:r>
+              <a:rPr lang="ja-JP" altLang="en-US" dirty="0" smtClean="0"/>
+              <a:t>仮想</a:t>
+            </a:r>
+            <a:r>
+              <a:rPr lang="en-US" altLang="ja-JP" dirty="0" smtClean="0"/>
+              <a:t>DOM)</a:t>
             </a:r>
             <a:endParaRPr lang="ja-JP" altLang="en-US" dirty="0"/>
           </a:p>

--- a/doc/02_SlideShare/01.ネタ/２_Reactの基礎/2-1_React.pptx
+++ b/doc/02_SlideShare/01.ネタ/２_Reactの基礎/2-1_React.pptx
@@ -212,7 +212,7 @@
           <a:p>
             <a:fld id="{2FA7D4A1-D6E2-4B97-8DF5-43A2A6E9364B}" type="datetimeFigureOut">
               <a:rPr kumimoji="1" lang="ja-JP" altLang="en-US" smtClean="0"/>
-              <a:t>2019/3/3</a:t>
+              <a:t>2019/3/5</a:t>
             </a:fld>
             <a:endParaRPr kumimoji="1" lang="ja-JP" altLang="en-US"/>
           </a:p>
@@ -679,7 +679,7 @@
           <a:p>
             <a:fld id="{2FA7D4A1-D6E2-4B97-8DF5-43A2A6E9364B}" type="datetimeFigureOut">
               <a:rPr kumimoji="1" lang="ja-JP" altLang="en-US" smtClean="0"/>
-              <a:t>2019/3/3</a:t>
+              <a:t>2019/3/5</a:t>
             </a:fld>
             <a:endParaRPr kumimoji="1" lang="ja-JP" altLang="en-US"/>
           </a:p>
@@ -1119,7 +1119,7 @@
           <a:p>
             <a:fld id="{2FA7D4A1-D6E2-4B97-8DF5-43A2A6E9364B}" type="datetimeFigureOut">
               <a:rPr kumimoji="1" lang="ja-JP" altLang="en-US" smtClean="0"/>
-              <a:t>2019/3/3</a:t>
+              <a:t>2019/3/5</a:t>
             </a:fld>
             <a:endParaRPr kumimoji="1" lang="ja-JP" altLang="en-US"/>
           </a:p>
@@ -1244,7 +1244,7 @@
           <a:p>
             <a:fld id="{2FA7D4A1-D6E2-4B97-8DF5-43A2A6E9364B}" type="datetimeFigureOut">
               <a:rPr kumimoji="1" lang="ja-JP" altLang="en-US" smtClean="0"/>
-              <a:t>2019/3/3</a:t>
+              <a:t>2019/3/5</a:t>
             </a:fld>
             <a:endParaRPr kumimoji="1" lang="ja-JP" altLang="en-US"/>
           </a:p>
@@ -1476,7 +1476,7 @@
           <a:p>
             <a:fld id="{2FA7D4A1-D6E2-4B97-8DF5-43A2A6E9364B}" type="datetimeFigureOut">
               <a:rPr kumimoji="1" lang="ja-JP" altLang="en-US" smtClean="0"/>
-              <a:t>2019/3/3</a:t>
+              <a:t>2019/3/5</a:t>
             </a:fld>
             <a:endParaRPr kumimoji="1" lang="ja-JP" altLang="en-US"/>
           </a:p>
@@ -1712,7 +1712,7 @@
                 </a:solidFill>
               </a:rPr>
               <a:pPr/>
-              <a:t>3/3/2019</a:t>
+              <a:t>3/5/2019</a:t>
             </a:fld>
             <a:endParaRPr lang="en-US" dirty="0">
               <a:solidFill>
@@ -2007,7 +2007,7 @@
           <a:p>
             <a:fld id="{2FA7D4A1-D6E2-4B97-8DF5-43A2A6E9364B}" type="datetimeFigureOut">
               <a:rPr kumimoji="1" lang="ja-JP" altLang="en-US" smtClean="0"/>
-              <a:t>2019/3/3</a:t>
+              <a:t>2019/3/5</a:t>
             </a:fld>
             <a:endParaRPr kumimoji="1" lang="ja-JP" altLang="en-US"/>
           </a:p>
@@ -2491,23 +2491,11 @@
           <a:p>
             <a:r>
               <a:rPr lang="en-US" altLang="ja-JP" dirty="0" smtClean="0"/>
-              <a:t>2-1. React</a:t>
-            </a:r>
-            <a:r>
-              <a:rPr lang="ja-JP" altLang="en-US" dirty="0" smtClean="0"/>
-              <a:t> </a:t>
+              <a:t>2-1. </a:t>
             </a:r>
             <a:r>
               <a:rPr lang="en-US" altLang="ja-JP" dirty="0" smtClean="0"/>
-              <a:t>-</a:t>
-            </a:r>
-            <a:r>
-              <a:rPr kumimoji="1" lang="ja-JP" altLang="en-US" dirty="0" smtClean="0"/>
-              <a:t> </a:t>
-            </a:r>
-            <a:r>
-              <a:rPr lang="ja-JP" altLang="en-US" dirty="0"/>
-              <a:t>概要</a:t>
+              <a:t>React</a:t>
             </a:r>
             <a:endParaRPr kumimoji="1" lang="ja-JP" altLang="en-US" dirty="0"/>
           </a:p>
@@ -2728,13 +2716,13 @@
       </p:sp>
       <p:sp>
         <p:nvSpPr>
-          <p:cNvPr id="16" name="テキスト ボックス 15"/>
+          <p:cNvPr id="7" name="テキスト ボックス 6"/>
           <p:cNvSpPr txBox="1"/>
           <p:nvPr/>
         </p:nvSpPr>
         <p:spPr>
           <a:xfrm>
-            <a:off x="555219" y="3779071"/>
+            <a:off x="551050" y="3338257"/>
             <a:ext cx="3883777" cy="461665"/>
           </a:xfrm>
           <a:prstGeom prst="rect">
@@ -2767,24 +2755,26 @@
           <a:p>
             <a:r>
               <a:rPr lang="en-US" altLang="ja-JP" b="0" dirty="0" smtClean="0">
-                <a:latin typeface="+mn-ea"/>
+                <a:latin typeface="+mn-lt"/>
               </a:rPr>
               <a:t>JSX</a:t>
             </a:r>
-            <a:endParaRPr lang="ja-JP" altLang="en-US" b="0" dirty="0"/>
-          </a:p>
-        </p:txBody>
-      </p:sp>
-      <p:sp>
-        <p:nvSpPr>
-          <p:cNvPr id="17" name="テキスト ボックス 16"/>
+            <a:endParaRPr lang="ja-JP" altLang="en-US" b="0" dirty="0">
+              <a:latin typeface="+mn-lt"/>
+            </a:endParaRPr>
+          </a:p>
+        </p:txBody>
+      </p:sp>
+      <p:sp>
+        <p:nvSpPr>
+          <p:cNvPr id="8" name="テキスト ボックス 7"/>
           <p:cNvSpPr txBox="1"/>
           <p:nvPr/>
         </p:nvSpPr>
         <p:spPr>
           <a:xfrm>
-            <a:off x="555219" y="2968421"/>
-            <a:ext cx="3251850" cy="461665"/>
+            <a:off x="555219" y="2657062"/>
+            <a:ext cx="5370796" cy="461665"/>
           </a:xfrm>
           <a:prstGeom prst="rect">
             <a:avLst/>
@@ -2815,16 +2805,20 @@
           </a:lstStyle>
           <a:p>
             <a:r>
+              <a:rPr lang="ja-JP" altLang="en-US" dirty="0" smtClean="0"/>
+              <a:t>仮想</a:t>
+            </a:r>
+            <a:r>
               <a:rPr lang="en-US" altLang="ja-JP" dirty="0" smtClean="0"/>
               <a:t>DOM(</a:t>
             </a:r>
             <a:r>
-              <a:rPr lang="ja-JP" altLang="en-US" dirty="0" smtClean="0"/>
-              <a:t>仮想</a:t>
+              <a:rPr lang="en-US" altLang="ja-JP" dirty="0"/>
+              <a:t>Virtual DOM</a:t>
             </a:r>
             <a:r>
               <a:rPr lang="en-US" altLang="ja-JP" dirty="0" smtClean="0"/>
-              <a:t>DOM)</a:t>
+              <a:t>)</a:t>
             </a:r>
             <a:endParaRPr lang="ja-JP" altLang="en-US" dirty="0"/>
           </a:p>
@@ -2832,14 +2826,14 @@
       </p:sp>
       <p:sp>
         <p:nvSpPr>
-          <p:cNvPr id="22" name="テキスト ボックス 21"/>
+          <p:cNvPr id="9" name="テキスト ボックス 8"/>
           <p:cNvSpPr txBox="1"/>
           <p:nvPr/>
         </p:nvSpPr>
         <p:spPr>
           <a:xfrm>
-            <a:off x="551050" y="4589721"/>
-            <a:ext cx="4062514" cy="461665"/>
+            <a:off x="551050" y="4019452"/>
+            <a:ext cx="6597096" cy="461665"/>
           </a:xfrm>
           <a:prstGeom prst="rect">
             <a:avLst/>
